--- a/thw116_poster.pptx
+++ b/thw116_poster.pptx
@@ -3843,7 +3843,7 @@
         </p:blipFill>
         <p:spPr>
           <a:xfrm>
-            <a:off x="10130092" y="10133531"/>
+            <a:off x="10130092" y="10025045"/>
             <a:ext cx="4572739" cy="5537205"/>
           </a:xfrm>
           <a:prstGeom prst="rect">
@@ -4182,12 +4182,30 @@
           </a:p>
           <a:p>
             <a:pPr algn="just"/>
-            <a:r>
-              <a:rPr lang="en-GB" sz="2000" dirty="0">
-                <a:latin typeface="Times" pitchFamily="2" charset="0"/>
-              </a:rPr>
-              <a:t>This project explores the effectiveness of certain recurrent neural network architectures with long short-term memory units (LSTM RNNs) in the forecasting of stock prices for companies in the STOXX Europe 600 Industrial Goods and Services Index (SXNP). In particular, the project focuses on attempting to identify whether certain attributes of a company’s fundamentals data, such as book value and annual sales, </a:t>
-            </a:r>
+            <a:endParaRPr lang="en-GB" sz="2000" dirty="0">
+              <a:latin typeface="Times" pitchFamily="2" charset="0"/>
+            </a:endParaRPr>
+          </a:p>
+          <a:p>
+            <a:pPr algn="just"/>
+            <a:endParaRPr lang="en-GB" sz="2000" b="1" i="1" dirty="0">
+              <a:latin typeface="Times" pitchFamily="2" charset="0"/>
+            </a:endParaRPr>
+          </a:p>
+          <a:p>
+            <a:pPr algn="just"/>
+            <a:endParaRPr lang="en-GB" sz="2000" b="1" i="1" dirty="0">
+              <a:latin typeface="Times" pitchFamily="2" charset="0"/>
+            </a:endParaRPr>
+          </a:p>
+          <a:p>
+            <a:pPr algn="just"/>
+            <a:endParaRPr lang="en-GB" sz="2000" b="1" i="1" dirty="0">
+              <a:latin typeface="Times" pitchFamily="2" charset="0"/>
+            </a:endParaRPr>
+          </a:p>
+          <a:p>
+            <a:pPr algn="just"/>
             <a:endParaRPr lang="en-GB" sz="2000" b="1" i="1" dirty="0">
               <a:latin typeface="Times" pitchFamily="2" charset="0"/>
             </a:endParaRPr>
@@ -4805,36 +4823,6 @@
           </p:sp>
         </mc:Fallback>
       </mc:AlternateContent>
-      <p:pic>
-        <p:nvPicPr>
-          <p:cNvPr id="30" name="Picture 29">
-            <a:extLst>
-              <a:ext uri="{FF2B5EF4-FFF2-40B4-BE49-F238E27FC236}">
-                <a16:creationId xmlns:a16="http://schemas.microsoft.com/office/drawing/2014/main" id="{EB1C3ADC-1764-6340-9130-249C8F9FC5FC}"/>
-              </a:ext>
-            </a:extLst>
-          </p:cNvPr>
-          <p:cNvPicPr>
-            <a:picLocks noChangeAspect="1"/>
-          </p:cNvPicPr>
-          <p:nvPr/>
-        </p:nvPicPr>
-        <p:blipFill>
-          <a:blip r:embed="rId6"/>
-          <a:stretch>
-            <a:fillRect/>
-          </a:stretch>
-        </p:blipFill>
-        <p:spPr>
-          <a:xfrm>
-            <a:off x="20828003" y="4128207"/>
-            <a:ext cx="9012078" cy="2614315"/>
-          </a:xfrm>
-          <a:prstGeom prst="rect">
-            <a:avLst/>
-          </a:prstGeom>
-        </p:spPr>
-      </p:pic>
       <p:graphicFrame>
         <p:nvGraphicFramePr>
           <p:cNvPr id="32" name="Table 31">
@@ -4850,14 +4838,14 @@
           <p:nvPr>
             <p:extLst>
               <p:ext uri="{D42A27DB-BD31-4B8C-83A1-F6EECF244321}">
-                <p14:modId xmlns:p14="http://schemas.microsoft.com/office/powerpoint/2010/main" val="1748515288"/>
+                <p14:modId xmlns:p14="http://schemas.microsoft.com/office/powerpoint/2010/main" val="346062496"/>
               </p:ext>
             </p:extLst>
           </p:nvPr>
         </p:nvGraphicFramePr>
         <p:xfrm>
-          <a:off x="23050458" y="13199051"/>
-          <a:ext cx="4467300" cy="792480"/>
+          <a:off x="20866967" y="8653802"/>
+          <a:ext cx="3554985" cy="792480"/>
         </p:xfrm>
         <a:graphic>
           <a:graphicData uri="http://schemas.openxmlformats.org/drawingml/2006/table">
@@ -4866,21 +4854,21 @@
                 <a:tableStyleId>{7DF18680-E054-41AD-8BC1-D1AEF772440D}</a:tableStyleId>
               </a:tblPr>
               <a:tblGrid>
-                <a:gridCol w="1489100">
+                <a:gridCol w="1184995">
                   <a:extLst>
                     <a:ext uri="{9D8B030D-6E8A-4147-A177-3AD203B41FA5}">
                       <a16:colId xmlns:a16="http://schemas.microsoft.com/office/drawing/2014/main" val="1616666266"/>
                     </a:ext>
                   </a:extLst>
                 </a:gridCol>
-                <a:gridCol w="1489100">
+                <a:gridCol w="1184995">
                   <a:extLst>
                     <a:ext uri="{9D8B030D-6E8A-4147-A177-3AD203B41FA5}">
                       <a16:colId xmlns:a16="http://schemas.microsoft.com/office/drawing/2014/main" val="1490442104"/>
                     </a:ext>
                   </a:extLst>
                 </a:gridCol>
-                <a:gridCol w="1489100">
+                <a:gridCol w="1184995">
                   <a:extLst>
                     <a:ext uri="{9D8B030D-6E8A-4147-A177-3AD203B41FA5}">
                       <a16:colId xmlns:a16="http://schemas.microsoft.com/office/drawing/2014/main" val="3276036996"/>
@@ -4888,7 +4876,7 @@
                   </a:extLst>
                 </a:gridCol>
               </a:tblGrid>
-              <a:tr h="296807">
+              <a:tr h="317586">
                 <a:tc>
                   <a:txBody>
                     <a:bodyPr/>
@@ -4943,7 +4931,7 @@
                   </a:ext>
                 </a:extLst>
               </a:tr>
-              <a:tr h="296807">
+              <a:tr h="317586">
                 <a:tc>
                   <a:txBody>
                     <a:bodyPr/>
@@ -5323,7 +5311,7 @@
           <p:nvPr/>
         </p:nvPicPr>
         <p:blipFill rotWithShape="1">
-          <a:blip r:embed="rId7"/>
+          <a:blip r:embed="rId6"/>
           <a:srcRect l="-1" r="1941"/>
           <a:stretch/>
         </p:blipFill>
@@ -5352,13 +5340,13 @@
           <p:nvPr/>
         </p:nvPicPr>
         <p:blipFill rotWithShape="1">
-          <a:blip r:embed="rId8"/>
+          <a:blip r:embed="rId7"/>
           <a:srcRect r="2904"/>
           <a:stretch/>
         </p:blipFill>
         <p:spPr>
           <a:xfrm>
-            <a:off x="15031320" y="16774761"/>
+            <a:off x="15107520" y="16579983"/>
             <a:ext cx="5160485" cy="1747141"/>
           </a:xfrm>
           <a:prstGeom prst="rect">
@@ -5452,134 +5440,301 @@
           </a:p>
         </p:txBody>
       </p:sp>
-      <p:sp>
-        <p:nvSpPr>
-          <p:cNvPr id="43" name="TextBox 42">
-            <a:extLst>
-              <a:ext uri="{FF2B5EF4-FFF2-40B4-BE49-F238E27FC236}">
-                <a16:creationId xmlns:a16="http://schemas.microsoft.com/office/drawing/2014/main" id="{E47CA422-EAF6-4747-A9CE-F4AA345D6AB6}"/>
-              </a:ext>
-            </a:extLst>
-          </p:cNvPr>
-          <p:cNvSpPr txBox="1"/>
-          <p:nvPr/>
-        </p:nvSpPr>
-        <p:spPr>
-          <a:xfrm>
-            <a:off x="14629070" y="10384388"/>
-            <a:ext cx="5677226" cy="5016758"/>
-          </a:xfrm>
-          <a:prstGeom prst="rect">
-            <a:avLst/>
-          </a:prstGeom>
-          <a:noFill/>
-        </p:spPr>
-        <p:txBody>
-          <a:bodyPr wrap="square" rtlCol="0">
-            <a:spAutoFit/>
-          </a:bodyPr>
-          <a:lstStyle/>
-          <a:p>
-            <a:pPr algn="ctr"/>
-            <a:r>
-              <a:rPr lang="en-US" sz="2000" b="1" dirty="0">
-                <a:latin typeface="Times" pitchFamily="2" charset="0"/>
-              </a:rPr>
-              <a:t>Step 3: Neural Network Architecture</a:t>
-            </a:r>
-          </a:p>
-          <a:p>
-            <a:pPr marL="342900" indent="-342900" algn="just">
-              <a:buFont typeface="Wingdings" pitchFamily="2" charset="2"/>
-              <a:buChar char="§"/>
-            </a:pPr>
-            <a:r>
-              <a:rPr lang="en-US" sz="2000" i="1" dirty="0">
-                <a:latin typeface="Times" pitchFamily="2" charset="0"/>
-              </a:rPr>
-              <a:t>Objective: Design a </a:t>
-            </a:r>
-            <a:r>
-              <a:rPr lang="en-US" sz="2000" dirty="0">
-                <a:latin typeface="Times" pitchFamily="2" charset="0"/>
-              </a:rPr>
-              <a:t> </a:t>
-            </a:r>
-          </a:p>
-          <a:p>
-            <a:pPr marL="342900" indent="-342900" algn="just">
-              <a:buFont typeface="Wingdings" pitchFamily="2" charset="2"/>
-              <a:buChar char="§"/>
-            </a:pPr>
-            <a:r>
-              <a:rPr lang="en-US" sz="2000" dirty="0">
-                <a:latin typeface="Times" pitchFamily="2" charset="0"/>
-              </a:rPr>
-              <a:t>Using multi output architecture to provide predictions for both the next input and target variables. </a:t>
-            </a:r>
-          </a:p>
-          <a:p>
-            <a:pPr marL="342900" indent="-342900" algn="just">
-              <a:buFont typeface="Wingdings" pitchFamily="2" charset="2"/>
-              <a:buChar char="§"/>
-            </a:pPr>
-            <a:r>
-              <a:rPr lang="en-US" sz="2000" dirty="0">
-                <a:latin typeface="Times" pitchFamily="2" charset="0"/>
-              </a:rPr>
-              <a:t>Stacked LSTM architecture for both branches consisting of 4 layers. Dropout rates of 20% used between layers to avoid overfitting. </a:t>
-            </a:r>
-          </a:p>
-          <a:p>
-            <a:pPr marL="342900" indent="-342900" algn="just">
-              <a:buFont typeface="Wingdings" pitchFamily="2" charset="2"/>
-              <a:buChar char="§"/>
-            </a:pPr>
-            <a:r>
-              <a:rPr lang="en-US" sz="2000" dirty="0">
-                <a:latin typeface="Times" pitchFamily="2" charset="0"/>
-              </a:rPr>
-              <a:t>Deep architectures consistently outperformed shallow networks with the same total number of LSTM units.</a:t>
-            </a:r>
-          </a:p>
-          <a:p>
-            <a:pPr marL="342900" indent="-342900" algn="just">
-              <a:buFont typeface="Wingdings" pitchFamily="2" charset="2"/>
-              <a:buChar char="§"/>
-            </a:pPr>
-            <a:r>
-              <a:rPr lang="en-US" sz="2000" dirty="0">
-                <a:latin typeface="Times" pitchFamily="2" charset="0"/>
-              </a:rPr>
-              <a:t>Loss functions: Binary cross-entropy and mean absolute error for output and input predictors respectively.</a:t>
-            </a:r>
-          </a:p>
-          <a:p>
-            <a:pPr marL="342900" indent="-342900" algn="just">
-              <a:buFont typeface="Wingdings" pitchFamily="2" charset="2"/>
-              <a:buChar char="§"/>
-            </a:pPr>
-            <a:r>
-              <a:rPr lang="en-US" sz="2000" dirty="0">
-                <a:latin typeface="Times" pitchFamily="2" charset="0"/>
-              </a:rPr>
-              <a:t>Optimiser: Adaptive Moment Estimation (Adam).</a:t>
-            </a:r>
-          </a:p>
-          <a:p>
-            <a:pPr marL="342900" indent="-342900" algn="just">
-              <a:buFont typeface="Wingdings" pitchFamily="2" charset="2"/>
-              <a:buChar char="§"/>
-            </a:pPr>
-            <a:r>
-              <a:rPr lang="en-US" sz="2000" dirty="0">
-                <a:latin typeface="Times" pitchFamily="2" charset="0"/>
-              </a:rPr>
-              <a:t>Batch size: 1024, Epochs: 30.</a:t>
-            </a:r>
-          </a:p>
-        </p:txBody>
-      </p:sp>
+      <mc:AlternateContent xmlns:mc="http://schemas.openxmlformats.org/markup-compatibility/2006">
+        <mc:Choice xmlns:a14="http://schemas.microsoft.com/office/drawing/2010/main" Requires="a14">
+          <p:sp>
+            <p:nvSpPr>
+              <p:cNvPr id="43" name="TextBox 42">
+                <a:extLst>
+                  <a:ext uri="{FF2B5EF4-FFF2-40B4-BE49-F238E27FC236}">
+                    <a16:creationId xmlns:a16="http://schemas.microsoft.com/office/drawing/2014/main" id="{E47CA422-EAF6-4747-A9CE-F4AA345D6AB6}"/>
+                  </a:ext>
+                </a:extLst>
+              </p:cNvPr>
+              <p:cNvSpPr txBox="1"/>
+              <p:nvPr/>
+            </p:nvSpPr>
+            <p:spPr>
+              <a:xfrm>
+                <a:off x="14607518" y="9977313"/>
+                <a:ext cx="5677226" cy="5632311"/>
+              </a:xfrm>
+              <a:prstGeom prst="rect">
+                <a:avLst/>
+              </a:prstGeom>
+              <a:noFill/>
+            </p:spPr>
+            <p:txBody>
+              <a:bodyPr wrap="square" rtlCol="0">
+                <a:spAutoFit/>
+              </a:bodyPr>
+              <a:lstStyle/>
+              <a:p>
+                <a:pPr algn="ctr"/>
+                <a:r>
+                  <a:rPr lang="en-US" sz="2000" b="1" dirty="0">
+                    <a:latin typeface="Times" pitchFamily="2" charset="0"/>
+                  </a:rPr>
+                  <a:t>Step 3: Neural Network Architecture</a:t>
+                </a:r>
+              </a:p>
+              <a:p>
+                <a:pPr marL="342900" indent="-342900" algn="just">
+                  <a:buFont typeface="Wingdings" pitchFamily="2" charset="2"/>
+                  <a:buChar char="§"/>
+                </a:pPr>
+                <a:r>
+                  <a:rPr lang="en-US" sz="2000" i="1" dirty="0">
+                    <a:latin typeface="Times" pitchFamily="2" charset="0"/>
+                  </a:rPr>
+                  <a:t>Objective: Design a learning algorithm that outperforms the naïve diversification benchmark.  </a:t>
+                </a:r>
+                <a:r>
+                  <a:rPr lang="en-US" sz="2000" dirty="0">
+                    <a:latin typeface="Times" pitchFamily="2" charset="0"/>
+                  </a:rPr>
+                  <a:t> </a:t>
+                </a:r>
+              </a:p>
+              <a:p>
+                <a:pPr marL="342900" indent="-342900" algn="just">
+                  <a:buFont typeface="Wingdings" pitchFamily="2" charset="2"/>
+                  <a:buChar char="§"/>
+                </a:pPr>
+                <a:r>
+                  <a:rPr lang="en-US" sz="2000" dirty="0">
+                    <a:latin typeface="Times" pitchFamily="2" charset="0"/>
+                  </a:rPr>
+                  <a:t>Multi output architecture to provide predictions for both the next input and target variables. </a:t>
+                </a:r>
+              </a:p>
+              <a:p>
+                <a:pPr marL="342900" indent="-342900" algn="just">
+                  <a:buFont typeface="Wingdings" pitchFamily="2" charset="2"/>
+                  <a:buChar char="§"/>
+                </a:pPr>
+                <a:r>
+                  <a:rPr lang="en-US" sz="2000" dirty="0">
+                    <a:latin typeface="Times" pitchFamily="2" charset="0"/>
+                  </a:rPr>
+                  <a:t>Inputs:</a:t>
+                </a:r>
+                <a14:m>
+                  <m:oMath xmlns:m="http://schemas.openxmlformats.org/officeDocument/2006/math">
+                    <m:r>
+                      <a:rPr lang="en-GB" sz="2000" b="0" i="0" dirty="0" smtClean="0">
+                        <a:latin typeface="Cambria Math" panose="02040503050406030204" pitchFamily="18" charset="0"/>
+                        <a:ea typeface="Cambria Math" panose="02040503050406030204" pitchFamily="18" charset="0"/>
+                      </a:rPr>
+                      <m:t>20</m:t>
+                    </m:r>
+                    <m:r>
+                      <a:rPr lang="en-US" sz="2000" i="1" dirty="0" smtClean="0">
+                        <a:latin typeface="Cambria Math" panose="02040503050406030204" pitchFamily="18" charset="0"/>
+                        <a:ea typeface="Cambria Math" panose="02040503050406030204" pitchFamily="18" charset="0"/>
+                      </a:rPr>
+                      <m:t>×</m:t>
+                    </m:r>
+                    <m:r>
+                      <a:rPr lang="en-GB" sz="2000" b="0" i="1" dirty="0" smtClean="0">
+                        <a:latin typeface="Cambria Math" panose="02040503050406030204" pitchFamily="18" charset="0"/>
+                        <a:ea typeface="Cambria Math" panose="02040503050406030204" pitchFamily="18" charset="0"/>
+                      </a:rPr>
+                      <m:t>1</m:t>
+                    </m:r>
+                  </m:oMath>
+                </a14:m>
+                <a:r>
+                  <a:rPr lang="en-US" sz="2000" dirty="0">
+                    <a:latin typeface="Times" pitchFamily="2" charset="0"/>
+                  </a:rPr>
+                  <a:t> attributes vector. Outputs:</a:t>
+                </a:r>
+                <a14:m>
+                  <m:oMath xmlns:m="http://schemas.openxmlformats.org/officeDocument/2006/math">
+                    <m:r>
+                      <a:rPr lang="en-GB" sz="2000" dirty="0">
+                        <a:latin typeface="Cambria Math" panose="02040503050406030204" pitchFamily="18" charset="0"/>
+                        <a:ea typeface="Cambria Math" panose="02040503050406030204" pitchFamily="18" charset="0"/>
+                      </a:rPr>
+                      <m:t>2</m:t>
+                    </m:r>
+                    <m:r>
+                      <a:rPr lang="en-GB" sz="2000" b="0" i="0" dirty="0" smtClean="0">
+                        <a:latin typeface="Cambria Math" panose="02040503050406030204" pitchFamily="18" charset="0"/>
+                        <a:ea typeface="Cambria Math" panose="02040503050406030204" pitchFamily="18" charset="0"/>
+                      </a:rPr>
+                      <m:t>0</m:t>
+                    </m:r>
+                    <m:r>
+                      <a:rPr lang="en-US" sz="2000" i="1" dirty="0">
+                        <a:latin typeface="Cambria Math" panose="02040503050406030204" pitchFamily="18" charset="0"/>
+                        <a:ea typeface="Cambria Math" panose="02040503050406030204" pitchFamily="18" charset="0"/>
+                      </a:rPr>
+                      <m:t>×</m:t>
+                    </m:r>
+                    <m:r>
+                      <a:rPr lang="en-GB" sz="2000" i="1" dirty="0">
+                        <a:latin typeface="Cambria Math" panose="02040503050406030204" pitchFamily="18" charset="0"/>
+                        <a:ea typeface="Cambria Math" panose="02040503050406030204" pitchFamily="18" charset="0"/>
+                      </a:rPr>
+                      <m:t>1</m:t>
+                    </m:r>
+                  </m:oMath>
+                </a14:m>
+                <a:r>
+                  <a:rPr lang="en-US" sz="2000" dirty="0">
+                    <a:latin typeface="Times" pitchFamily="2" charset="0"/>
+                  </a:rPr>
+                  <a:t> attributes vector and </a:t>
+                </a:r>
+                <a14:m>
+                  <m:oMath xmlns:m="http://schemas.openxmlformats.org/officeDocument/2006/math">
+                    <m:r>
+                      <a:rPr lang="en-GB" sz="2000" dirty="0">
+                        <a:latin typeface="Cambria Math" panose="02040503050406030204" pitchFamily="18" charset="0"/>
+                        <a:ea typeface="Cambria Math" panose="02040503050406030204" pitchFamily="18" charset="0"/>
+                      </a:rPr>
+                      <m:t>1</m:t>
+                    </m:r>
+                    <m:r>
+                      <a:rPr lang="en-US" sz="2000" i="1" dirty="0">
+                        <a:latin typeface="Cambria Math" panose="02040503050406030204" pitchFamily="18" charset="0"/>
+                        <a:ea typeface="Cambria Math" panose="02040503050406030204" pitchFamily="18" charset="0"/>
+                      </a:rPr>
+                      <m:t>×</m:t>
+                    </m:r>
+                    <m:r>
+                      <a:rPr lang="en-GB" sz="2000" i="1" dirty="0">
+                        <a:latin typeface="Cambria Math" panose="02040503050406030204" pitchFamily="18" charset="0"/>
+                        <a:ea typeface="Cambria Math" panose="02040503050406030204" pitchFamily="18" charset="0"/>
+                      </a:rPr>
+                      <m:t>1</m:t>
+                    </m:r>
+                    <m:r>
+                      <a:rPr lang="en-GB" sz="2000" i="1" dirty="0">
+                        <a:latin typeface="Cambria Math" panose="02040503050406030204" pitchFamily="18" charset="0"/>
+                        <a:ea typeface="Cambria Math" panose="02040503050406030204" pitchFamily="18" charset="0"/>
+                      </a:rPr>
+                      <m:t> </m:t>
+                    </m:r>
+                  </m:oMath>
+                </a14:m>
+                <a:r>
+                  <a:rPr lang="en-US" sz="2000" dirty="0">
+                    <a:latin typeface="Times" pitchFamily="2" charset="0"/>
+                  </a:rPr>
+                  <a:t>binary digit. </a:t>
+                </a:r>
+              </a:p>
+              <a:p>
+                <a:pPr marL="342900" indent="-342900" algn="just">
+                  <a:buFont typeface="Wingdings" pitchFamily="2" charset="2"/>
+                  <a:buChar char="§"/>
+                </a:pPr>
+                <a:r>
+                  <a:rPr lang="en-US" sz="2000" dirty="0">
+                    <a:latin typeface="Times" pitchFamily="2" charset="0"/>
+                  </a:rPr>
+                  <a:t>Stacked LSTM architecture for both branches consisting of 4 layers. Dropout rates of 20% used between layers to avoid overfitting. </a:t>
+                </a:r>
+              </a:p>
+              <a:p>
+                <a:pPr marL="342900" indent="-342900" algn="just">
+                  <a:buFont typeface="Wingdings" pitchFamily="2" charset="2"/>
+                  <a:buChar char="§"/>
+                </a:pPr>
+                <a:r>
+                  <a:rPr lang="en-US" sz="2000" dirty="0">
+                    <a:latin typeface="Times" pitchFamily="2" charset="0"/>
+                  </a:rPr>
+                  <a:t>Deep architectures consistently outperformed shallow networks with the same total number of LSTM units.</a:t>
+                </a:r>
+              </a:p>
+              <a:p>
+                <a:pPr marL="342900" indent="-342900" algn="just">
+                  <a:buFont typeface="Wingdings" pitchFamily="2" charset="2"/>
+                  <a:buChar char="§"/>
+                </a:pPr>
+                <a:r>
+                  <a:rPr lang="en-US" sz="2000" dirty="0">
+                    <a:latin typeface="Times" pitchFamily="2" charset="0"/>
+                  </a:rPr>
+                  <a:t>Loss functions: Binary cross-entropy and mean absolute error for output and input predictors respectively.</a:t>
+                </a:r>
+              </a:p>
+              <a:p>
+                <a:pPr marL="342900" indent="-342900" algn="just">
+                  <a:buFont typeface="Wingdings" pitchFamily="2" charset="2"/>
+                  <a:buChar char="§"/>
+                </a:pPr>
+                <a:r>
+                  <a:rPr lang="en-US" sz="2000" dirty="0">
+                    <a:latin typeface="Times" pitchFamily="2" charset="0"/>
+                  </a:rPr>
+                  <a:t>Optimiser: Adaptive Moment Estimation (Adam).</a:t>
+                </a:r>
+              </a:p>
+              <a:p>
+                <a:pPr marL="342900" indent="-342900" algn="just">
+                  <a:buFont typeface="Wingdings" pitchFamily="2" charset="2"/>
+                  <a:buChar char="§"/>
+                </a:pPr>
+                <a:r>
+                  <a:rPr lang="en-US" sz="2000" dirty="0">
+                    <a:latin typeface="Times" pitchFamily="2" charset="0"/>
+                  </a:rPr>
+                  <a:t>Batch size: 1024, Epochs: 30.</a:t>
+                </a:r>
+              </a:p>
+            </p:txBody>
+          </p:sp>
+        </mc:Choice>
+        <mc:Fallback>
+          <p:sp>
+            <p:nvSpPr>
+              <p:cNvPr id="43" name="TextBox 42">
+                <a:extLst>
+                  <a:ext uri="{FF2B5EF4-FFF2-40B4-BE49-F238E27FC236}">
+                    <a16:creationId xmlns:a16="http://schemas.microsoft.com/office/drawing/2014/main" id="{E47CA422-EAF6-4747-A9CE-F4AA345D6AB6}"/>
+                  </a:ext>
+                </a:extLst>
+              </p:cNvPr>
+              <p:cNvSpPr txBox="1">
+                <a:spLocks noRot="1" noChangeAspect="1" noMove="1" noResize="1" noEditPoints="1" noAdjustHandles="1" noChangeArrowheads="1" noChangeShapeType="1" noTextEdit="1"/>
+              </p:cNvSpPr>
+              <p:nvPr/>
+            </p:nvSpPr>
+            <p:spPr>
+              <a:xfrm>
+                <a:off x="14607518" y="9977313"/>
+                <a:ext cx="5677226" cy="5632311"/>
+              </a:xfrm>
+              <a:prstGeom prst="rect">
+                <a:avLst/>
+              </a:prstGeom>
+              <a:blipFill>
+                <a:blip r:embed="rId8"/>
+                <a:stretch>
+                  <a:fillRect l="-670" t="-676" r="-1116" b="-901"/>
+                </a:stretch>
+              </a:blipFill>
+            </p:spPr>
+            <p:txBody>
+              <a:bodyPr/>
+              <a:lstStyle/>
+              <a:p>
+                <a:r>
+                  <a:rPr lang="en-US">
+                    <a:noFill/>
+                  </a:rPr>
+                  <a:t> </a:t>
+                </a:r>
+              </a:p>
+            </p:txBody>
+          </p:sp>
+        </mc:Fallback>
+      </mc:AlternateContent>
       <p:sp>
         <p:nvSpPr>
           <p:cNvPr id="44" name="TextBox 43">
@@ -5594,8 +5749,8 @@
         </p:nvSpPr>
         <p:spPr>
           <a:xfrm>
-            <a:off x="10067872" y="16102833"/>
-            <a:ext cx="4773227" cy="1323439"/>
+            <a:off x="10067872" y="16028691"/>
+            <a:ext cx="5160485" cy="3170099"/>
           </a:xfrm>
           <a:prstGeom prst="rect">
             <a:avLst/>
@@ -5625,7 +5780,31 @@
               <a:rPr lang="en-US" sz="2000" i="1" dirty="0">
                 <a:latin typeface="Times" pitchFamily="2" charset="0"/>
               </a:rPr>
-              <a:t>Objective: Compare the performance of the model against the benchmark.</a:t>
+              <a:t>Objective: Predict using the model and assess performance against the benchmark.</a:t>
+            </a:r>
+          </a:p>
+          <a:p>
+            <a:pPr marL="342900" indent="-342900" algn="just">
+              <a:buFont typeface="Wingdings" pitchFamily="2" charset="2"/>
+              <a:buChar char="§"/>
+            </a:pPr>
+            <a:r>
+              <a:rPr lang="en-US" sz="2000" dirty="0">
+                <a:latin typeface="Times" pitchFamily="2" charset="0"/>
+              </a:rPr>
+              <a:t>Selects all returns that are predicted to be +1 by the model in the test set and compares against the actual value of the returns. </a:t>
+            </a:r>
+          </a:p>
+          <a:p>
+            <a:pPr marL="342900" indent="-342900" algn="just">
+              <a:buFont typeface="Wingdings" pitchFamily="2" charset="2"/>
+              <a:buChar char="§"/>
+            </a:pPr>
+            <a:r>
+              <a:rPr lang="en-US" sz="2000" dirty="0">
+                <a:latin typeface="Times" pitchFamily="2" charset="0"/>
+              </a:rPr>
+              <a:t>Visual plots and statistical summaries to compare against benchmark, which is all the returns of the entire test set.  </a:t>
             </a:r>
           </a:p>
           <a:p>
@@ -5727,7 +5906,7 @@
         </p:nvCxnSpPr>
         <p:spPr>
           <a:xfrm>
-            <a:off x="11400865" y="15841576"/>
+            <a:off x="11400865" y="15902802"/>
             <a:ext cx="7473482" cy="0"/>
           </a:xfrm>
           <a:prstGeom prst="line">
@@ -5764,7 +5943,7 @@
         </p:nvCxnSpPr>
         <p:spPr>
           <a:xfrm>
-            <a:off x="11184851" y="9855400"/>
+            <a:off x="11184851" y="9682898"/>
             <a:ext cx="7473482" cy="0"/>
           </a:xfrm>
           <a:prstGeom prst="line">
@@ -5801,7 +5980,7 @@
         </p:nvCxnSpPr>
         <p:spPr>
           <a:xfrm>
-            <a:off x="11504166" y="5405805"/>
+            <a:off x="11504166" y="5561652"/>
             <a:ext cx="7473482" cy="0"/>
           </a:xfrm>
           <a:prstGeom prst="line">
@@ -5876,7 +6055,7 @@
         </p:blipFill>
         <p:spPr>
           <a:xfrm>
-            <a:off x="380998" y="16275958"/>
+            <a:off x="380998" y="16225158"/>
             <a:ext cx="9213892" cy="1929263"/>
           </a:xfrm>
           <a:prstGeom prst="rect">
@@ -5988,8 +6167,8 @@
           </a:prstGeom>
         </p:spPr>
       </p:pic>
-      <mc:AlternateContent xmlns:mc="http://schemas.openxmlformats.org/markup-compatibility/2006">
-        <mc:Choice xmlns:a14="http://schemas.microsoft.com/office/drawing/2010/main" Requires="a14">
+      <mc:AlternateContent xmlns:mc="http://schemas.openxmlformats.org/markup-compatibility/2006" xmlns:a14="http://schemas.microsoft.com/office/drawing/2010/main">
+        <mc:Choice Requires="a14">
           <p:sp>
             <p:nvSpPr>
               <p:cNvPr id="31" name="TextBox 30">
@@ -6210,7 +6389,7 @@
             </p:txBody>
           </p:sp>
         </mc:Choice>
-        <mc:Fallback>
+        <mc:Fallback xmlns="">
           <p:sp>
             <p:nvSpPr>
               <p:cNvPr id="31" name="TextBox 30">
@@ -6362,7 +6541,7 @@
               <a:rPr lang="en-US" sz="2000" dirty="0">
                 <a:latin typeface="Times" pitchFamily="2" charset="0"/>
               </a:rPr>
-              <a:t>LSTM units consist of three gates (forget, input and update) which process the flow of information through the cell and updates its state.</a:t>
+              <a:t>LSTM units consist of three gates (forget, input and update) which process the flow of information through the cell and update its state.</a:t>
             </a:r>
           </a:p>
         </p:txBody>
@@ -6401,6 +6580,854 @@
                 <a:latin typeface="Times" pitchFamily="2" charset="0"/>
               </a:rPr>
               <a:t>Figure 1: Unrolled architecture of RNN.</a:t>
+            </a:r>
+          </a:p>
+        </p:txBody>
+      </p:sp>
+      <p:sp>
+        <p:nvSpPr>
+          <p:cNvPr id="33" name="TextBox 32">
+            <a:extLst>
+              <a:ext uri="{FF2B5EF4-FFF2-40B4-BE49-F238E27FC236}">
+                <a16:creationId xmlns:a16="http://schemas.microsoft.com/office/drawing/2014/main" id="{585B83D7-D1C7-E141-B8EF-BFEDACA729AE}"/>
+              </a:ext>
+            </a:extLst>
+          </p:cNvPr>
+          <p:cNvSpPr txBox="1"/>
+          <p:nvPr/>
+        </p:nvSpPr>
+        <p:spPr>
+          <a:xfrm>
+            <a:off x="11163299" y="5073377"/>
+            <a:ext cx="3444219" cy="276999"/>
+          </a:xfrm>
+          <a:prstGeom prst="rect">
+            <a:avLst/>
+          </a:prstGeom>
+          <a:noFill/>
+        </p:spPr>
+        <p:txBody>
+          <a:bodyPr wrap="square" rtlCol="0">
+            <a:spAutoFit/>
+          </a:bodyPr>
+          <a:lstStyle/>
+          <a:p>
+            <a:pPr algn="ctr"/>
+            <a:r>
+              <a:rPr lang="en-US" sz="1200" i="1" dirty="0">
+                <a:latin typeface="Times" pitchFamily="2" charset="0"/>
+              </a:rPr>
+              <a:t>Figure 4: Program flow diagram of data structuring.</a:t>
+            </a:r>
+          </a:p>
+        </p:txBody>
+      </p:sp>
+      <p:sp>
+        <p:nvSpPr>
+          <p:cNvPr id="41" name="TextBox 40">
+            <a:extLst>
+              <a:ext uri="{FF2B5EF4-FFF2-40B4-BE49-F238E27FC236}">
+                <a16:creationId xmlns:a16="http://schemas.microsoft.com/office/drawing/2014/main" id="{2A55D0CD-A20D-F341-8091-35F9B8C8B76D}"/>
+              </a:ext>
+            </a:extLst>
+          </p:cNvPr>
+          <p:cNvSpPr txBox="1"/>
+          <p:nvPr/>
+        </p:nvSpPr>
+        <p:spPr>
+          <a:xfrm>
+            <a:off x="15860493" y="9090801"/>
+            <a:ext cx="3678192" cy="276999"/>
+          </a:xfrm>
+          <a:prstGeom prst="rect">
+            <a:avLst/>
+          </a:prstGeom>
+          <a:noFill/>
+        </p:spPr>
+        <p:txBody>
+          <a:bodyPr wrap="square" rtlCol="0">
+            <a:spAutoFit/>
+          </a:bodyPr>
+          <a:lstStyle/>
+          <a:p>
+            <a:pPr algn="ctr"/>
+            <a:r>
+              <a:rPr lang="en-US" sz="1200" i="1" dirty="0">
+                <a:latin typeface="Times" pitchFamily="2" charset="0"/>
+              </a:rPr>
+              <a:t>Figure 5: Program flow diagram of data preprocessing.</a:t>
+            </a:r>
+          </a:p>
+        </p:txBody>
+      </p:sp>
+      <p:sp>
+        <p:nvSpPr>
+          <p:cNvPr id="46" name="TextBox 45">
+            <a:extLst>
+              <a:ext uri="{FF2B5EF4-FFF2-40B4-BE49-F238E27FC236}">
+                <a16:creationId xmlns:a16="http://schemas.microsoft.com/office/drawing/2014/main" id="{80FA62F8-D1F7-7849-A4D4-E1B4433A60CC}"/>
+              </a:ext>
+            </a:extLst>
+          </p:cNvPr>
+          <p:cNvSpPr txBox="1"/>
+          <p:nvPr/>
+        </p:nvSpPr>
+        <p:spPr>
+          <a:xfrm>
+            <a:off x="16038242" y="18295080"/>
+            <a:ext cx="3678192" cy="276999"/>
+          </a:xfrm>
+          <a:prstGeom prst="rect">
+            <a:avLst/>
+          </a:prstGeom>
+          <a:noFill/>
+        </p:spPr>
+        <p:txBody>
+          <a:bodyPr wrap="square" rtlCol="0">
+            <a:spAutoFit/>
+          </a:bodyPr>
+          <a:lstStyle/>
+          <a:p>
+            <a:pPr algn="ctr"/>
+            <a:r>
+              <a:rPr lang="en-US" sz="1200" i="1" dirty="0">
+                <a:latin typeface="Times" pitchFamily="2" charset="0"/>
+              </a:rPr>
+              <a:t>Figure 7: Program flow diagram of evaluation metrics.</a:t>
+            </a:r>
+          </a:p>
+        </p:txBody>
+      </p:sp>
+      <p:sp>
+        <p:nvSpPr>
+          <p:cNvPr id="50" name="TextBox 49">
+            <a:extLst>
+              <a:ext uri="{FF2B5EF4-FFF2-40B4-BE49-F238E27FC236}">
+                <a16:creationId xmlns:a16="http://schemas.microsoft.com/office/drawing/2014/main" id="{D856F876-80F6-7146-93EE-7F70508F3128}"/>
+              </a:ext>
+            </a:extLst>
+          </p:cNvPr>
+          <p:cNvSpPr txBox="1"/>
+          <p:nvPr/>
+        </p:nvSpPr>
+        <p:spPr>
+          <a:xfrm>
+            <a:off x="10432258" y="15518047"/>
+            <a:ext cx="3968406" cy="276999"/>
+          </a:xfrm>
+          <a:prstGeom prst="rect">
+            <a:avLst/>
+          </a:prstGeom>
+          <a:noFill/>
+        </p:spPr>
+        <p:txBody>
+          <a:bodyPr wrap="square" rtlCol="0">
+            <a:spAutoFit/>
+          </a:bodyPr>
+          <a:lstStyle/>
+          <a:p>
+            <a:pPr algn="ctr"/>
+            <a:r>
+              <a:rPr lang="en-US" sz="1200" i="1" dirty="0">
+                <a:latin typeface="Times" pitchFamily="2" charset="0"/>
+              </a:rPr>
+              <a:t>Figure 6: Architectural breakdown of multi output model.</a:t>
+            </a:r>
+          </a:p>
+        </p:txBody>
+      </p:sp>
+      <p:sp>
+        <p:nvSpPr>
+          <p:cNvPr id="58" name="TextBox 57">
+            <a:extLst>
+              <a:ext uri="{FF2B5EF4-FFF2-40B4-BE49-F238E27FC236}">
+                <a16:creationId xmlns:a16="http://schemas.microsoft.com/office/drawing/2014/main" id="{525D86A2-08E5-8141-AAC9-856867B79A03}"/>
+              </a:ext>
+            </a:extLst>
+          </p:cNvPr>
+          <p:cNvSpPr txBox="1"/>
+          <p:nvPr/>
+        </p:nvSpPr>
+        <p:spPr>
+          <a:xfrm>
+            <a:off x="20727826" y="2247542"/>
+            <a:ext cx="8998732" cy="1323439"/>
+          </a:xfrm>
+          <a:prstGeom prst="rect">
+            <a:avLst/>
+          </a:prstGeom>
+          <a:noFill/>
+        </p:spPr>
+        <p:txBody>
+          <a:bodyPr wrap="square" rtlCol="0">
+            <a:spAutoFit/>
+          </a:bodyPr>
+          <a:lstStyle/>
+          <a:p>
+            <a:pPr marL="342900" indent="-342900" algn="just">
+              <a:buFont typeface="Wingdings" pitchFamily="2" charset="2"/>
+              <a:buChar char="§"/>
+            </a:pPr>
+            <a:r>
+              <a:rPr lang="en-US" sz="2000" dirty="0">
+                <a:latin typeface="Times" pitchFamily="2" charset="0"/>
+              </a:rPr>
+              <a:t>Model predictions exhibited more preferable statistical properties than the test set benchmark. Accuracy plateaus at ~0.7 for training, with the same result in test data.  </a:t>
+            </a:r>
+          </a:p>
+          <a:p>
+            <a:pPr marL="342900" indent="-342900" algn="just">
+              <a:buFont typeface="Wingdings" pitchFamily="2" charset="2"/>
+              <a:buChar char="§"/>
+            </a:pPr>
+            <a:r>
+              <a:rPr lang="en-US" sz="2000" dirty="0">
+                <a:latin typeface="Times" pitchFamily="2" charset="0"/>
+              </a:rPr>
+              <a:t>Further hyperparameter optimisations such as decayed learning rate or alternate weight initisalisation may have improved performance.</a:t>
+            </a:r>
+          </a:p>
+        </p:txBody>
+      </p:sp>
+      <p:pic>
+        <p:nvPicPr>
+          <p:cNvPr id="15" name="Picture 14">
+            <a:extLst>
+              <a:ext uri="{FF2B5EF4-FFF2-40B4-BE49-F238E27FC236}">
+                <a16:creationId xmlns:a16="http://schemas.microsoft.com/office/drawing/2014/main" id="{6AE96597-57FF-704A-97C2-F48666D293B3}"/>
+              </a:ext>
+            </a:extLst>
+          </p:cNvPr>
+          <p:cNvPicPr>
+            <a:picLocks noChangeAspect="1"/>
+          </p:cNvPicPr>
+          <p:nvPr/>
+        </p:nvPicPr>
+        <p:blipFill rotWithShape="1">
+          <a:blip r:embed="rId14"/>
+          <a:srcRect l="9453" t="37514" r="41869" b="28115"/>
+          <a:stretch/>
+        </p:blipFill>
+        <p:spPr>
+          <a:xfrm>
+            <a:off x="20724553" y="3628713"/>
+            <a:ext cx="9120327" cy="4023314"/>
+          </a:xfrm>
+          <a:prstGeom prst="rect">
+            <a:avLst/>
+          </a:prstGeom>
+          <a:ln w="6350">
+            <a:solidFill>
+              <a:schemeClr val="accent3">
+                <a:alpha val="62000"/>
+              </a:schemeClr>
+            </a:solidFill>
+          </a:ln>
+        </p:spPr>
+      </p:pic>
+      <p:sp>
+        <p:nvSpPr>
+          <p:cNvPr id="60" name="TextBox 59">
+            <a:extLst>
+              <a:ext uri="{FF2B5EF4-FFF2-40B4-BE49-F238E27FC236}">
+                <a16:creationId xmlns:a16="http://schemas.microsoft.com/office/drawing/2014/main" id="{D24F2407-4070-B840-AD43-C4ED01FC91B1}"/>
+              </a:ext>
+            </a:extLst>
+          </p:cNvPr>
+          <p:cNvSpPr txBox="1"/>
+          <p:nvPr/>
+        </p:nvSpPr>
+        <p:spPr>
+          <a:xfrm>
+            <a:off x="21842486" y="7679661"/>
+            <a:ext cx="6883243" cy="276999"/>
+          </a:xfrm>
+          <a:prstGeom prst="rect">
+            <a:avLst/>
+          </a:prstGeom>
+          <a:noFill/>
+        </p:spPr>
+        <p:txBody>
+          <a:bodyPr wrap="square" rtlCol="0">
+            <a:spAutoFit/>
+          </a:bodyPr>
+          <a:lstStyle/>
+          <a:p>
+            <a:pPr algn="ctr"/>
+            <a:r>
+              <a:rPr lang="en-US" sz="1200" i="1" dirty="0">
+                <a:latin typeface="Times" pitchFamily="2" charset="0"/>
+              </a:rPr>
+              <a:t>Figure 8: Training and Validation losses for next input and target variable prediction by multi output model.</a:t>
+            </a:r>
+          </a:p>
+        </p:txBody>
+      </p:sp>
+      <p:graphicFrame>
+        <p:nvGraphicFramePr>
+          <p:cNvPr id="61" name="Table 60">
+            <a:extLst>
+              <a:ext uri="{FF2B5EF4-FFF2-40B4-BE49-F238E27FC236}">
+                <a16:creationId xmlns:a16="http://schemas.microsoft.com/office/drawing/2014/main" id="{1C76D674-B6B6-5C4A-B3DF-5F6586D35BF1}"/>
+              </a:ext>
+            </a:extLst>
+          </p:cNvPr>
+          <p:cNvGraphicFramePr>
+            <a:graphicFrameLocks noGrp="1"/>
+          </p:cNvGraphicFramePr>
+          <p:nvPr>
+            <p:extLst>
+              <p:ext uri="{D42A27DB-BD31-4B8C-83A1-F6EECF244321}">
+                <p14:modId xmlns:p14="http://schemas.microsoft.com/office/powerpoint/2010/main" val="434291028"/>
+              </p:ext>
+            </p:extLst>
+          </p:nvPr>
+        </p:nvGraphicFramePr>
+        <p:xfrm>
+          <a:off x="24699500" y="8020687"/>
+          <a:ext cx="5000384" cy="1981200"/>
+        </p:xfrm>
+        <a:graphic>
+          <a:graphicData uri="http://schemas.openxmlformats.org/drawingml/2006/table">
+            <a:tbl>
+              <a:tblPr firstRow="1" bandRow="1">
+                <a:tableStyleId>{7DF18680-E054-41AD-8BC1-D1AEF772440D}</a:tableStyleId>
+              </a:tblPr>
+              <a:tblGrid>
+                <a:gridCol w="1250096">
+                  <a:extLst>
+                    <a:ext uri="{9D8B030D-6E8A-4147-A177-3AD203B41FA5}">
+                      <a16:colId xmlns:a16="http://schemas.microsoft.com/office/drawing/2014/main" val="674159925"/>
+                    </a:ext>
+                  </a:extLst>
+                </a:gridCol>
+                <a:gridCol w="1250096">
+                  <a:extLst>
+                    <a:ext uri="{9D8B030D-6E8A-4147-A177-3AD203B41FA5}">
+                      <a16:colId xmlns:a16="http://schemas.microsoft.com/office/drawing/2014/main" val="1616666266"/>
+                    </a:ext>
+                  </a:extLst>
+                </a:gridCol>
+                <a:gridCol w="1250096">
+                  <a:extLst>
+                    <a:ext uri="{9D8B030D-6E8A-4147-A177-3AD203B41FA5}">
+                      <a16:colId xmlns:a16="http://schemas.microsoft.com/office/drawing/2014/main" val="1490442104"/>
+                    </a:ext>
+                  </a:extLst>
+                </a:gridCol>
+                <a:gridCol w="1250096">
+                  <a:extLst>
+                    <a:ext uri="{9D8B030D-6E8A-4147-A177-3AD203B41FA5}">
+                      <a16:colId xmlns:a16="http://schemas.microsoft.com/office/drawing/2014/main" val="3276036996"/>
+                    </a:ext>
+                  </a:extLst>
+                </a:gridCol>
+              </a:tblGrid>
+              <a:tr h="322910">
+                <a:tc>
+                  <a:txBody>
+                    <a:bodyPr/>
+                    <a:lstStyle/>
+                    <a:p>
+                      <a:pPr algn="ctr"/>
+                      <a:endParaRPr lang="en-US" sz="2000" b="0" dirty="0">
+                        <a:latin typeface="Times" pitchFamily="2" charset="0"/>
+                      </a:endParaRPr>
+                    </a:p>
+                  </a:txBody>
+                  <a:tcPr/>
+                </a:tc>
+                <a:tc>
+                  <a:txBody>
+                    <a:bodyPr/>
+                    <a:lstStyle/>
+                    <a:p>
+                      <a:pPr algn="ctr"/>
+                      <a:r>
+                        <a:rPr lang="en-US" sz="2000" b="0" dirty="0">
+                          <a:latin typeface="Times" pitchFamily="2" charset="0"/>
+                        </a:rPr>
+                        <a:t>Entire</a:t>
+                      </a:r>
+                    </a:p>
+                  </a:txBody>
+                  <a:tcPr/>
+                </a:tc>
+                <a:tc>
+                  <a:txBody>
+                    <a:bodyPr/>
+                    <a:lstStyle/>
+                    <a:p>
+                      <a:pPr algn="ctr"/>
+                      <a:r>
+                        <a:rPr lang="en-US" sz="2000" b="0" dirty="0">
+                          <a:latin typeface="Times" pitchFamily="2" charset="0"/>
+                        </a:rPr>
+                        <a:t>Test</a:t>
+                      </a:r>
+                    </a:p>
+                  </a:txBody>
+                  <a:tcPr/>
+                </a:tc>
+                <a:tc>
+                  <a:txBody>
+                    <a:bodyPr/>
+                    <a:lstStyle/>
+                    <a:p>
+                      <a:pPr algn="ctr"/>
+                      <a:r>
+                        <a:rPr lang="en-US" sz="2000" b="0" dirty="0">
+                          <a:latin typeface="Times" pitchFamily="2" charset="0"/>
+                        </a:rPr>
+                        <a:t>Selected</a:t>
+                      </a:r>
+                    </a:p>
+                  </a:txBody>
+                  <a:tcPr/>
+                </a:tc>
+                <a:extLst>
+                  <a:ext uri="{0D108BD9-81ED-4DB2-BD59-A6C34878D82A}">
+                    <a16:rowId xmlns:a16="http://schemas.microsoft.com/office/drawing/2014/main" val="2106530873"/>
+                  </a:ext>
+                </a:extLst>
+              </a:tr>
+              <a:tr h="322910">
+                <a:tc>
+                  <a:txBody>
+                    <a:bodyPr/>
+                    <a:lstStyle/>
+                    <a:p>
+                      <a:pPr algn="ctr"/>
+                      <a:r>
+                        <a:rPr lang="en-US" sz="2000" b="0" dirty="0">
+                          <a:latin typeface="Times" pitchFamily="2" charset="0"/>
+                        </a:rPr>
+                        <a:t>Mean</a:t>
+                      </a:r>
+                    </a:p>
+                  </a:txBody>
+                  <a:tcPr/>
+                </a:tc>
+                <a:tc>
+                  <a:txBody>
+                    <a:bodyPr/>
+                    <a:lstStyle/>
+                    <a:p>
+                      <a:pPr algn="ctr"/>
+                      <a:r>
+                        <a:rPr lang="en-US" sz="2000" dirty="0">
+                          <a:latin typeface="Times" pitchFamily="2" charset="0"/>
+                        </a:rPr>
+                        <a:t>0.000389</a:t>
+                      </a:r>
+                      <a:endParaRPr lang="en-US" sz="2000" b="0" dirty="0">
+                        <a:latin typeface="Times" pitchFamily="2" charset="0"/>
+                      </a:endParaRPr>
+                    </a:p>
+                  </a:txBody>
+                  <a:tcPr/>
+                </a:tc>
+                <a:tc>
+                  <a:txBody>
+                    <a:bodyPr/>
+                    <a:lstStyle/>
+                    <a:p>
+                      <a:pPr algn="ctr"/>
+                      <a:r>
+                        <a:rPr lang="en-US" sz="2000" dirty="0">
+                          <a:latin typeface="Times" pitchFamily="2" charset="0"/>
+                        </a:rPr>
+                        <a:t>-0.000147</a:t>
+                      </a:r>
+                      <a:endParaRPr lang="en-US" sz="2000" b="0" dirty="0">
+                        <a:latin typeface="Times" pitchFamily="2" charset="0"/>
+                      </a:endParaRPr>
+                    </a:p>
+                  </a:txBody>
+                  <a:tcPr/>
+                </a:tc>
+                <a:tc>
+                  <a:txBody>
+                    <a:bodyPr/>
+                    <a:lstStyle/>
+                    <a:p>
+                      <a:pPr algn="ctr"/>
+                      <a:r>
+                        <a:rPr lang="en-US" sz="2000" dirty="0">
+                          <a:latin typeface="Times" pitchFamily="2" charset="0"/>
+                        </a:rPr>
+                        <a:t>0.00764</a:t>
+                      </a:r>
+                      <a:endParaRPr lang="en-US" sz="2000" b="0" dirty="0">
+                        <a:latin typeface="Times" pitchFamily="2" charset="0"/>
+                      </a:endParaRPr>
+                    </a:p>
+                  </a:txBody>
+                  <a:tcPr/>
+                </a:tc>
+                <a:extLst>
+                  <a:ext uri="{0D108BD9-81ED-4DB2-BD59-A6C34878D82A}">
+                    <a16:rowId xmlns:a16="http://schemas.microsoft.com/office/drawing/2014/main" val="2392881171"/>
+                  </a:ext>
+                </a:extLst>
+              </a:tr>
+              <a:tr h="322910">
+                <a:tc>
+                  <a:txBody>
+                    <a:bodyPr/>
+                    <a:lstStyle/>
+                    <a:p>
+                      <a:pPr algn="ctr"/>
+                      <a:r>
+                        <a:rPr lang="en-US" sz="2000" b="0" dirty="0">
+                          <a:latin typeface="Times" pitchFamily="2" charset="0"/>
+                        </a:rPr>
+                        <a:t>Variance</a:t>
+                      </a:r>
+                    </a:p>
+                  </a:txBody>
+                  <a:tcPr/>
+                </a:tc>
+                <a:tc>
+                  <a:txBody>
+                    <a:bodyPr/>
+                    <a:lstStyle/>
+                    <a:p>
+                      <a:pPr algn="ctr"/>
+                      <a:r>
+                        <a:rPr lang="en-US" sz="2000" b="0" dirty="0">
+                          <a:latin typeface="Times" pitchFamily="2" charset="0"/>
+                        </a:rPr>
+                        <a:t>0.000546</a:t>
+                      </a:r>
+                    </a:p>
+                  </a:txBody>
+                  <a:tcPr/>
+                </a:tc>
+                <a:tc>
+                  <a:txBody>
+                    <a:bodyPr/>
+                    <a:lstStyle/>
+                    <a:p>
+                      <a:pPr algn="ctr"/>
+                      <a:r>
+                        <a:rPr lang="en-US" sz="2000" b="0" dirty="0">
+                          <a:latin typeface="Times" pitchFamily="2" charset="0"/>
+                        </a:rPr>
+                        <a:t>0.000364</a:t>
+                      </a:r>
+                    </a:p>
+                  </a:txBody>
+                  <a:tcPr/>
+                </a:tc>
+                <a:tc>
+                  <a:txBody>
+                    <a:bodyPr/>
+                    <a:lstStyle/>
+                    <a:p>
+                      <a:pPr algn="ctr"/>
+                      <a:r>
+                        <a:rPr lang="en-US" sz="2000" b="0" dirty="0">
+                          <a:latin typeface="Times" pitchFamily="2" charset="0"/>
+                        </a:rPr>
+                        <a:t>0.000269</a:t>
+                      </a:r>
+                    </a:p>
+                  </a:txBody>
+                  <a:tcPr/>
+                </a:tc>
+                <a:extLst>
+                  <a:ext uri="{0D108BD9-81ED-4DB2-BD59-A6C34878D82A}">
+                    <a16:rowId xmlns:a16="http://schemas.microsoft.com/office/drawing/2014/main" val="1125095271"/>
+                  </a:ext>
+                </a:extLst>
+              </a:tr>
+              <a:tr h="322910">
+                <a:tc>
+                  <a:txBody>
+                    <a:bodyPr/>
+                    <a:lstStyle/>
+                    <a:p>
+                      <a:pPr algn="ctr"/>
+                      <a:r>
+                        <a:rPr lang="en-US" sz="2000" b="0" dirty="0">
+                          <a:latin typeface="Times" pitchFamily="2" charset="0"/>
+                        </a:rPr>
+                        <a:t>Skew</a:t>
+                      </a:r>
+                    </a:p>
+                  </a:txBody>
+                  <a:tcPr/>
+                </a:tc>
+                <a:tc>
+                  <a:txBody>
+                    <a:bodyPr/>
+                    <a:lstStyle/>
+                    <a:p>
+                      <a:pPr algn="ctr"/>
+                      <a:r>
+                        <a:rPr lang="en-US" sz="2000" b="0" dirty="0">
+                          <a:latin typeface="Times" pitchFamily="2" charset="0"/>
+                        </a:rPr>
+                        <a:t>64.114</a:t>
+                      </a:r>
+                    </a:p>
+                  </a:txBody>
+                  <a:tcPr/>
+                </a:tc>
+                <a:tc>
+                  <a:txBody>
+                    <a:bodyPr/>
+                    <a:lstStyle/>
+                    <a:p>
+                      <a:pPr algn="ctr"/>
+                      <a:r>
+                        <a:rPr lang="en-US" sz="2000" b="0" dirty="0">
+                          <a:latin typeface="Times" pitchFamily="2" charset="0"/>
+                        </a:rPr>
+                        <a:t>-1.489</a:t>
+                      </a:r>
+                    </a:p>
+                  </a:txBody>
+                  <a:tcPr/>
+                </a:tc>
+                <a:tc>
+                  <a:txBody>
+                    <a:bodyPr/>
+                    <a:lstStyle/>
+                    <a:p>
+                      <a:pPr algn="ctr"/>
+                      <a:r>
+                        <a:rPr lang="en-US" sz="2000" b="0" dirty="0">
+                          <a:latin typeface="Times" pitchFamily="2" charset="0"/>
+                        </a:rPr>
+                        <a:t>1.224</a:t>
+                      </a:r>
+                    </a:p>
+                  </a:txBody>
+                  <a:tcPr/>
+                </a:tc>
+                <a:extLst>
+                  <a:ext uri="{0D108BD9-81ED-4DB2-BD59-A6C34878D82A}">
+                    <a16:rowId xmlns:a16="http://schemas.microsoft.com/office/drawing/2014/main" val="1872673451"/>
+                  </a:ext>
+                </a:extLst>
+              </a:tr>
+              <a:tr h="322910">
+                <a:tc>
+                  <a:txBody>
+                    <a:bodyPr/>
+                    <a:lstStyle/>
+                    <a:p>
+                      <a:pPr algn="ctr"/>
+                      <a:r>
+                        <a:rPr lang="en-US" sz="2000" b="0" dirty="0">
+                          <a:latin typeface="Times" pitchFamily="2" charset="0"/>
+                        </a:rPr>
+                        <a:t>Kurtosis</a:t>
+                      </a:r>
+                    </a:p>
+                  </a:txBody>
+                  <a:tcPr/>
+                </a:tc>
+                <a:tc>
+                  <a:txBody>
+                    <a:bodyPr/>
+                    <a:lstStyle/>
+                    <a:p>
+                      <a:pPr algn="ctr"/>
+                      <a:r>
+                        <a:rPr lang="en-US" sz="2000" b="0" dirty="0">
+                          <a:latin typeface="Times" pitchFamily="2" charset="0"/>
+                        </a:rPr>
+                        <a:t>18474.2</a:t>
+                      </a:r>
+                    </a:p>
+                  </a:txBody>
+                  <a:tcPr/>
+                </a:tc>
+                <a:tc>
+                  <a:txBody>
+                    <a:bodyPr/>
+                    <a:lstStyle/>
+                    <a:p>
+                      <a:pPr algn="ctr"/>
+                      <a:r>
+                        <a:rPr lang="en-US" sz="2000" b="0" dirty="0">
+                          <a:latin typeface="Times" pitchFamily="2" charset="0"/>
+                        </a:rPr>
+                        <a:t>43.882</a:t>
+                      </a:r>
+                    </a:p>
+                  </a:txBody>
+                  <a:tcPr/>
+                </a:tc>
+                <a:tc>
+                  <a:txBody>
+                    <a:bodyPr/>
+                    <a:lstStyle/>
+                    <a:p>
+                      <a:pPr algn="ctr"/>
+                      <a:r>
+                        <a:rPr lang="en-US" sz="2000" b="0" dirty="0">
+                          <a:latin typeface="Times" pitchFamily="2" charset="0"/>
+                        </a:rPr>
+                        <a:t>31.110</a:t>
+                      </a:r>
+                    </a:p>
+                  </a:txBody>
+                  <a:tcPr/>
+                </a:tc>
+                <a:extLst>
+                  <a:ext uri="{0D108BD9-81ED-4DB2-BD59-A6C34878D82A}">
+                    <a16:rowId xmlns:a16="http://schemas.microsoft.com/office/drawing/2014/main" val="2662607172"/>
+                  </a:ext>
+                </a:extLst>
+              </a:tr>
+            </a:tbl>
+          </a:graphicData>
+        </a:graphic>
+      </p:graphicFrame>
+      <p:pic>
+        <p:nvPicPr>
+          <p:cNvPr id="17" name="Picture 16">
+            <a:extLst>
+              <a:ext uri="{FF2B5EF4-FFF2-40B4-BE49-F238E27FC236}">
+                <a16:creationId xmlns:a16="http://schemas.microsoft.com/office/drawing/2014/main" id="{696E2D69-5DA1-0048-AB52-8B8E168C37EA}"/>
+              </a:ext>
+            </a:extLst>
+          </p:cNvPr>
+          <p:cNvPicPr>
+            <a:picLocks noChangeAspect="1"/>
+          </p:cNvPicPr>
+          <p:nvPr/>
+        </p:nvPicPr>
+        <p:blipFill>
+          <a:blip r:embed="rId15"/>
+          <a:stretch>
+            <a:fillRect/>
+          </a:stretch>
+        </p:blipFill>
+        <p:spPr>
+          <a:xfrm>
+            <a:off x="21084671" y="10392156"/>
+            <a:ext cx="8285042" cy="3725183"/>
+          </a:xfrm>
+          <a:prstGeom prst="rect">
+            <a:avLst/>
+          </a:prstGeom>
+        </p:spPr>
+      </p:pic>
+      <p:sp>
+        <p:nvSpPr>
+          <p:cNvPr id="62" name="TextBox 61">
+            <a:extLst>
+              <a:ext uri="{FF2B5EF4-FFF2-40B4-BE49-F238E27FC236}">
+                <a16:creationId xmlns:a16="http://schemas.microsoft.com/office/drawing/2014/main" id="{B143DAAF-8D75-A747-9250-1C34DC4ED9FA}"/>
+              </a:ext>
+            </a:extLst>
+          </p:cNvPr>
+          <p:cNvSpPr txBox="1"/>
+          <p:nvPr/>
+        </p:nvSpPr>
+        <p:spPr>
+          <a:xfrm>
+            <a:off x="21097099" y="13964332"/>
+            <a:ext cx="8374015" cy="276999"/>
+          </a:xfrm>
+          <a:prstGeom prst="rect">
+            <a:avLst/>
+          </a:prstGeom>
+          <a:noFill/>
+        </p:spPr>
+        <p:txBody>
+          <a:bodyPr wrap="square" rtlCol="0">
+            <a:spAutoFit/>
+          </a:bodyPr>
+          <a:lstStyle/>
+          <a:p>
+            <a:pPr algn="ctr"/>
+            <a:r>
+              <a:rPr lang="en-US" sz="1200" i="1" dirty="0">
+                <a:latin typeface="Times" pitchFamily="2" charset="0"/>
+              </a:rPr>
+              <a:t>Figure 9: Scatter plots of the unselected (&lt;0.5) and selected (&gt;0.5) prediction probabilities against actual returns of the datapoint. </a:t>
+            </a:r>
+          </a:p>
+        </p:txBody>
+      </p:sp>
+      <p:sp>
+        <p:nvSpPr>
+          <p:cNvPr id="63" name="TextBox 62">
+            <a:extLst>
+              <a:ext uri="{FF2B5EF4-FFF2-40B4-BE49-F238E27FC236}">
+                <a16:creationId xmlns:a16="http://schemas.microsoft.com/office/drawing/2014/main" id="{9BF5E976-9FD5-7E4D-8556-98F558F01C3F}"/>
+              </a:ext>
+            </a:extLst>
+          </p:cNvPr>
+          <p:cNvSpPr txBox="1"/>
+          <p:nvPr/>
+        </p:nvSpPr>
+        <p:spPr>
+          <a:xfrm>
+            <a:off x="20724553" y="9454657"/>
+            <a:ext cx="3747427" cy="276999"/>
+          </a:xfrm>
+          <a:prstGeom prst="rect">
+            <a:avLst/>
+          </a:prstGeom>
+          <a:noFill/>
+        </p:spPr>
+        <p:txBody>
+          <a:bodyPr wrap="square" rtlCol="0">
+            <a:spAutoFit/>
+          </a:bodyPr>
+          <a:lstStyle/>
+          <a:p>
+            <a:pPr algn="ctr"/>
+            <a:r>
+              <a:rPr lang="en-US" sz="1200" i="1" dirty="0">
+                <a:latin typeface="Times" pitchFamily="2" charset="0"/>
+              </a:rPr>
+              <a:t>Table 1: Model performance metrics for holdout test data.</a:t>
+            </a:r>
+          </a:p>
+        </p:txBody>
+      </p:sp>
+      <p:sp>
+        <p:nvSpPr>
+          <p:cNvPr id="64" name="TextBox 63">
+            <a:extLst>
+              <a:ext uri="{FF2B5EF4-FFF2-40B4-BE49-F238E27FC236}">
+                <a16:creationId xmlns:a16="http://schemas.microsoft.com/office/drawing/2014/main" id="{F30E8288-9B8F-6749-A01F-F85EBA2A44DA}"/>
+              </a:ext>
+            </a:extLst>
+          </p:cNvPr>
+          <p:cNvSpPr txBox="1"/>
+          <p:nvPr/>
+        </p:nvSpPr>
+        <p:spPr>
+          <a:xfrm>
+            <a:off x="24933228" y="10049601"/>
+            <a:ext cx="4766656" cy="461665"/>
+          </a:xfrm>
+          <a:prstGeom prst="rect">
+            <a:avLst/>
+          </a:prstGeom>
+          <a:noFill/>
+        </p:spPr>
+        <p:txBody>
+          <a:bodyPr wrap="square" rtlCol="0">
+            <a:spAutoFit/>
+          </a:bodyPr>
+          <a:lstStyle/>
+          <a:p>
+            <a:pPr algn="ctr"/>
+            <a:r>
+              <a:rPr lang="en-US" sz="1200" i="1" dirty="0">
+                <a:latin typeface="Times" pitchFamily="2" charset="0"/>
+              </a:rPr>
+              <a:t>Table 2: Summary of returns data distributions for the entire, test and model predicted datasets.</a:t>
             </a:r>
           </a:p>
         </p:txBody>
